--- a/UI作成.pptx
+++ b/UI作成.pptx
@@ -5,12 +5,13 @@
     <p:sldMasterId id="2147483648" r:id="rId1"/>
   </p:sldMasterIdLst>
   <p:notesMasterIdLst>
-    <p:notesMasterId r:id="rId5"/>
+    <p:notesMasterId r:id="rId6"/>
   </p:notesMasterIdLst>
   <p:sldIdLst>
     <p:sldId id="256" r:id="rId2"/>
     <p:sldId id="258" r:id="rId3"/>
     <p:sldId id="257" r:id="rId4"/>
+    <p:sldId id="259" r:id="rId5"/>
   </p:sldIdLst>
   <p:sldSz cx="12192000" cy="6858000"/>
   <p:notesSz cx="6858000" cy="9144000"/>
@@ -199,7 +200,7 @@
           <a:p>
             <a:fld id="{B5B10417-DEBC-2C41-BC00-328E5B6BE684}" type="datetimeFigureOut">
               <a:rPr kumimoji="1" lang="ja-JP" altLang="en-US" smtClean="0"/>
-              <a:t>2017/12/5</a:t>
+              <a:t>2017/12/13</a:t>
             </a:fld>
             <a:endParaRPr kumimoji="1" lang="ja-JP" altLang="en-US"/>
           </a:p>
@@ -798,7 +799,7 @@
           <a:p>
             <a:fld id="{30882571-8EA2-F849-BE67-D22AADE9CB28}" type="datetimeFigureOut">
               <a:rPr kumimoji="1" lang="ja-JP" altLang="en-US" smtClean="0"/>
-              <a:t>2017/12/5</a:t>
+              <a:t>2017/12/13</a:t>
             </a:fld>
             <a:endParaRPr kumimoji="1" lang="ja-JP" altLang="en-US"/>
           </a:p>
@@ -1000,7 +1001,7 @@
           <a:p>
             <a:fld id="{30882571-8EA2-F849-BE67-D22AADE9CB28}" type="datetimeFigureOut">
               <a:rPr kumimoji="1" lang="ja-JP" altLang="en-US" smtClean="0"/>
-              <a:t>2017/12/5</a:t>
+              <a:t>2017/12/13</a:t>
             </a:fld>
             <a:endParaRPr kumimoji="1" lang="ja-JP" altLang="en-US"/>
           </a:p>
@@ -1212,7 +1213,7 @@
           <a:p>
             <a:fld id="{30882571-8EA2-F849-BE67-D22AADE9CB28}" type="datetimeFigureOut">
               <a:rPr kumimoji="1" lang="ja-JP" altLang="en-US" smtClean="0"/>
-              <a:t>2017/12/5</a:t>
+              <a:t>2017/12/13</a:t>
             </a:fld>
             <a:endParaRPr kumimoji="1" lang="ja-JP" altLang="en-US"/>
           </a:p>
@@ -1414,7 +1415,7 @@
           <a:p>
             <a:fld id="{30882571-8EA2-F849-BE67-D22AADE9CB28}" type="datetimeFigureOut">
               <a:rPr kumimoji="1" lang="ja-JP" altLang="en-US" smtClean="0"/>
-              <a:t>2017/12/5</a:t>
+              <a:t>2017/12/13</a:t>
             </a:fld>
             <a:endParaRPr kumimoji="1" lang="ja-JP" altLang="en-US"/>
           </a:p>
@@ -1660,7 +1661,7 @@
           <a:p>
             <a:fld id="{30882571-8EA2-F849-BE67-D22AADE9CB28}" type="datetimeFigureOut">
               <a:rPr kumimoji="1" lang="ja-JP" altLang="en-US" smtClean="0"/>
-              <a:t>2017/12/5</a:t>
+              <a:t>2017/12/13</a:t>
             </a:fld>
             <a:endParaRPr kumimoji="1" lang="ja-JP" altLang="en-US"/>
           </a:p>
@@ -1956,7 +1957,7 @@
           <a:p>
             <a:fld id="{30882571-8EA2-F849-BE67-D22AADE9CB28}" type="datetimeFigureOut">
               <a:rPr kumimoji="1" lang="ja-JP" altLang="en-US" smtClean="0"/>
-              <a:t>2017/12/5</a:t>
+              <a:t>2017/12/13</a:t>
             </a:fld>
             <a:endParaRPr kumimoji="1" lang="ja-JP" altLang="en-US"/>
           </a:p>
@@ -2387,7 +2388,7 @@
           <a:p>
             <a:fld id="{30882571-8EA2-F849-BE67-D22AADE9CB28}" type="datetimeFigureOut">
               <a:rPr kumimoji="1" lang="ja-JP" altLang="en-US" smtClean="0"/>
-              <a:t>2017/12/5</a:t>
+              <a:t>2017/12/13</a:t>
             </a:fld>
             <a:endParaRPr kumimoji="1" lang="ja-JP" altLang="en-US"/>
           </a:p>
@@ -2505,7 +2506,7 @@
           <a:p>
             <a:fld id="{30882571-8EA2-F849-BE67-D22AADE9CB28}" type="datetimeFigureOut">
               <a:rPr kumimoji="1" lang="ja-JP" altLang="en-US" smtClean="0"/>
-              <a:t>2017/12/5</a:t>
+              <a:t>2017/12/13</a:t>
             </a:fld>
             <a:endParaRPr kumimoji="1" lang="ja-JP" altLang="en-US"/>
           </a:p>
@@ -2600,7 +2601,7 @@
           <a:p>
             <a:fld id="{30882571-8EA2-F849-BE67-D22AADE9CB28}" type="datetimeFigureOut">
               <a:rPr kumimoji="1" lang="ja-JP" altLang="en-US" smtClean="0"/>
-              <a:t>2017/12/5</a:t>
+              <a:t>2017/12/13</a:t>
             </a:fld>
             <a:endParaRPr kumimoji="1" lang="ja-JP" altLang="en-US"/>
           </a:p>
@@ -2909,7 +2910,7 @@
           <a:p>
             <a:fld id="{30882571-8EA2-F849-BE67-D22AADE9CB28}" type="datetimeFigureOut">
               <a:rPr kumimoji="1" lang="ja-JP" altLang="en-US" smtClean="0"/>
-              <a:t>2017/12/5</a:t>
+              <a:t>2017/12/13</a:t>
             </a:fld>
             <a:endParaRPr kumimoji="1" lang="ja-JP" altLang="en-US"/>
           </a:p>
@@ -3162,7 +3163,7 @@
           <a:p>
             <a:fld id="{30882571-8EA2-F849-BE67-D22AADE9CB28}" type="datetimeFigureOut">
               <a:rPr kumimoji="1" lang="ja-JP" altLang="en-US" smtClean="0"/>
-              <a:t>2017/12/5</a:t>
+              <a:t>2017/12/13</a:t>
             </a:fld>
             <a:endParaRPr kumimoji="1" lang="ja-JP" altLang="en-US"/>
           </a:p>
@@ -3407,7 +3408,7 @@
           <a:p>
             <a:fld id="{30882571-8EA2-F849-BE67-D22AADE9CB28}" type="datetimeFigureOut">
               <a:rPr kumimoji="1" lang="ja-JP" altLang="en-US" smtClean="0"/>
-              <a:t>2017/12/5</a:t>
+              <a:t>2017/12/13</a:t>
             </a:fld>
             <a:endParaRPr kumimoji="1" lang="ja-JP" altLang="en-US"/>
           </a:p>
@@ -6984,6 +6985,348 @@
     <p:extLst>
       <p:ext uri="{BB962C8B-B14F-4D97-AF65-F5344CB8AC3E}">
         <p14:creationId xmlns:p14="http://schemas.microsoft.com/office/powerpoint/2010/main" val="1360164347"/>
+      </p:ext>
+    </p:extLst>
+  </p:cSld>
+  <p:clrMapOvr>
+    <a:masterClrMapping/>
+  </p:clrMapOvr>
+  <p:timing>
+    <p:tnLst>
+      <p:par>
+        <p:cTn id="1" dur="indefinite" restart="never" nodeType="tmRoot"/>
+      </p:par>
+    </p:tnLst>
+  </p:timing>
+</p:sld>
+</file>
+
+<file path=ppt/slides/slide4.xml><?xml version="1.0" encoding="utf-8"?>
+<p:sld xmlns:a="http://schemas.openxmlformats.org/drawingml/2006/main" xmlns:r="http://schemas.openxmlformats.org/officeDocument/2006/relationships" xmlns:p="http://schemas.openxmlformats.org/presentationml/2006/main">
+  <p:cSld>
+    <p:spTree>
+      <p:nvGrpSpPr>
+        <p:cNvPr id="1" name=""/>
+        <p:cNvGrpSpPr/>
+        <p:nvPr/>
+      </p:nvGrpSpPr>
+      <p:grpSpPr>
+        <a:xfrm>
+          <a:off x="0" y="0"/>
+          <a:ext cx="0" cy="0"/>
+          <a:chOff x="0" y="0"/>
+          <a:chExt cx="0" cy="0"/>
+        </a:xfrm>
+      </p:grpSpPr>
+      <p:sp>
+        <p:nvSpPr>
+          <p:cNvPr id="4" name="角丸四角形 3"/>
+          <p:cNvSpPr/>
+          <p:nvPr/>
+        </p:nvSpPr>
+        <p:spPr>
+          <a:xfrm>
+            <a:off x="353400" y="2024127"/>
+            <a:ext cx="11367826" cy="2973388"/>
+          </a:xfrm>
+          <a:prstGeom prst="roundRect">
+            <a:avLst/>
+          </a:prstGeom>
+        </p:spPr>
+        <p:style>
+          <a:lnRef idx="0">
+            <a:schemeClr val="accent4"/>
+          </a:lnRef>
+          <a:fillRef idx="3">
+            <a:schemeClr val="accent4"/>
+          </a:fillRef>
+          <a:effectRef idx="3">
+            <a:schemeClr val="accent4"/>
+          </a:effectRef>
+          <a:fontRef idx="minor">
+            <a:schemeClr val="lt1"/>
+          </a:fontRef>
+        </p:style>
+        <p:txBody>
+          <a:bodyPr rtlCol="0" anchor="ctr"/>
+          <a:lstStyle/>
+          <a:p>
+            <a:pPr algn="ctr"/>
+            <a:endParaRPr kumimoji="1" lang="ja-JP" altLang="en-US"/>
+          </a:p>
+        </p:txBody>
+      </p:sp>
+      <p:sp>
+        <p:nvSpPr>
+          <p:cNvPr id="5" name="角丸四角形 4"/>
+          <p:cNvSpPr/>
+          <p:nvPr/>
+        </p:nvSpPr>
+        <p:spPr>
+          <a:xfrm>
+            <a:off x="1124926" y="2238063"/>
+            <a:ext cx="9950071" cy="2545516"/>
+          </a:xfrm>
+          <a:prstGeom prst="roundRect">
+            <a:avLst/>
+          </a:prstGeom>
+          <a:gradFill>
+            <a:gsLst>
+              <a:gs pos="100000">
+                <a:srgbClr val="00B0F0"/>
+              </a:gs>
+              <a:gs pos="100000">
+                <a:schemeClr val="accent5">
+                  <a:lumMod val="105000"/>
+                  <a:satMod val="103000"/>
+                  <a:tint val="73000"/>
+                </a:schemeClr>
+              </a:gs>
+              <a:gs pos="100000">
+                <a:schemeClr val="accent5">
+                  <a:lumMod val="105000"/>
+                  <a:satMod val="109000"/>
+                  <a:tint val="81000"/>
+                </a:schemeClr>
+              </a:gs>
+            </a:gsLst>
+          </a:gradFill>
+        </p:spPr>
+        <p:style>
+          <a:lnRef idx="1">
+            <a:schemeClr val="accent5"/>
+          </a:lnRef>
+          <a:fillRef idx="2">
+            <a:schemeClr val="accent5"/>
+          </a:fillRef>
+          <a:effectRef idx="1">
+            <a:schemeClr val="accent5"/>
+          </a:effectRef>
+          <a:fontRef idx="minor">
+            <a:schemeClr val="dk1"/>
+          </a:fontRef>
+        </p:style>
+        <p:txBody>
+          <a:bodyPr rtlCol="0" anchor="ctr"/>
+          <a:lstStyle/>
+          <a:p>
+            <a:pPr algn="ctr"/>
+            <a:endParaRPr kumimoji="1" lang="ja-JP" altLang="en-US" dirty="0"/>
+          </a:p>
+        </p:txBody>
+      </p:sp>
+      <p:sp>
+        <p:nvSpPr>
+          <p:cNvPr id="6" name="サブタイトル 2"/>
+          <p:cNvSpPr txBox="1">
+            <a:spLocks/>
+          </p:cNvSpPr>
+          <p:nvPr/>
+        </p:nvSpPr>
+        <p:spPr>
+          <a:xfrm>
+            <a:off x="428019" y="2916551"/>
+            <a:ext cx="11273444" cy="706690"/>
+          </a:xfrm>
+          <a:prstGeom prst="rect">
+            <a:avLst/>
+          </a:prstGeom>
+        </p:spPr>
+        <p:txBody>
+          <a:bodyPr vert="horz" lIns="91440" tIns="45720" rIns="91440" bIns="45720" rtlCol="0">
+            <a:noAutofit/>
+          </a:bodyPr>
+          <a:lstStyle>
+            <a:lvl1pPr marL="0" indent="0" algn="ctr" defTabSz="914400" rtl="0" eaLnBrk="1" latinLnBrk="0" hangingPunct="1">
+              <a:lnSpc>
+                <a:spcPct val="90000"/>
+              </a:lnSpc>
+              <a:spcBef>
+                <a:spcPts val="1000"/>
+              </a:spcBef>
+              <a:buFont typeface="Arial"/>
+              <a:buNone/>
+              <a:defRPr kumimoji="1" sz="2400" kern="1200">
+                <a:solidFill>
+                  <a:schemeClr val="tx1"/>
+                </a:solidFill>
+                <a:latin typeface="+mn-lt"/>
+                <a:ea typeface="+mn-ea"/>
+                <a:cs typeface="+mn-cs"/>
+              </a:defRPr>
+            </a:lvl1pPr>
+            <a:lvl2pPr marL="457200" indent="0" algn="ctr" defTabSz="914400" rtl="0" eaLnBrk="1" latinLnBrk="0" hangingPunct="1">
+              <a:lnSpc>
+                <a:spcPct val="90000"/>
+              </a:lnSpc>
+              <a:spcBef>
+                <a:spcPts val="500"/>
+              </a:spcBef>
+              <a:buFont typeface="Arial"/>
+              <a:buNone/>
+              <a:defRPr kumimoji="1" sz="2000" kern="1200">
+                <a:solidFill>
+                  <a:schemeClr val="tx1"/>
+                </a:solidFill>
+                <a:latin typeface="+mn-lt"/>
+                <a:ea typeface="+mn-ea"/>
+                <a:cs typeface="+mn-cs"/>
+              </a:defRPr>
+            </a:lvl2pPr>
+            <a:lvl3pPr marL="914400" indent="0" algn="ctr" defTabSz="914400" rtl="0" eaLnBrk="1" latinLnBrk="0" hangingPunct="1">
+              <a:lnSpc>
+                <a:spcPct val="90000"/>
+              </a:lnSpc>
+              <a:spcBef>
+                <a:spcPts val="500"/>
+              </a:spcBef>
+              <a:buFont typeface="Arial"/>
+              <a:buNone/>
+              <a:defRPr kumimoji="1" sz="1800" kern="1200">
+                <a:solidFill>
+                  <a:schemeClr val="tx1"/>
+                </a:solidFill>
+                <a:latin typeface="+mn-lt"/>
+                <a:ea typeface="+mn-ea"/>
+                <a:cs typeface="+mn-cs"/>
+              </a:defRPr>
+            </a:lvl3pPr>
+            <a:lvl4pPr marL="1371600" indent="0" algn="ctr" defTabSz="914400" rtl="0" eaLnBrk="1" latinLnBrk="0" hangingPunct="1">
+              <a:lnSpc>
+                <a:spcPct val="90000"/>
+              </a:lnSpc>
+              <a:spcBef>
+                <a:spcPts val="500"/>
+              </a:spcBef>
+              <a:buFont typeface="Arial"/>
+              <a:buNone/>
+              <a:defRPr kumimoji="1" sz="1600" kern="1200">
+                <a:solidFill>
+                  <a:schemeClr val="tx1"/>
+                </a:solidFill>
+                <a:latin typeface="+mn-lt"/>
+                <a:ea typeface="+mn-ea"/>
+                <a:cs typeface="+mn-cs"/>
+              </a:defRPr>
+            </a:lvl4pPr>
+            <a:lvl5pPr marL="1828800" indent="0" algn="ctr" defTabSz="914400" rtl="0" eaLnBrk="1" latinLnBrk="0" hangingPunct="1">
+              <a:lnSpc>
+                <a:spcPct val="90000"/>
+              </a:lnSpc>
+              <a:spcBef>
+                <a:spcPts val="500"/>
+              </a:spcBef>
+              <a:buFont typeface="Arial"/>
+              <a:buNone/>
+              <a:defRPr kumimoji="1" sz="1600" kern="1200">
+                <a:solidFill>
+                  <a:schemeClr val="tx1"/>
+                </a:solidFill>
+                <a:latin typeface="+mn-lt"/>
+                <a:ea typeface="+mn-ea"/>
+                <a:cs typeface="+mn-cs"/>
+              </a:defRPr>
+            </a:lvl5pPr>
+            <a:lvl6pPr marL="2286000" indent="0" algn="ctr" defTabSz="914400" rtl="0" eaLnBrk="1" latinLnBrk="0" hangingPunct="1">
+              <a:lnSpc>
+                <a:spcPct val="90000"/>
+              </a:lnSpc>
+              <a:spcBef>
+                <a:spcPts val="500"/>
+              </a:spcBef>
+              <a:buFont typeface="Arial"/>
+              <a:buNone/>
+              <a:defRPr kumimoji="1" sz="1600" kern="1200">
+                <a:solidFill>
+                  <a:schemeClr val="tx1"/>
+                </a:solidFill>
+                <a:latin typeface="+mn-lt"/>
+                <a:ea typeface="+mn-ea"/>
+                <a:cs typeface="+mn-cs"/>
+              </a:defRPr>
+            </a:lvl6pPr>
+            <a:lvl7pPr marL="2743200" indent="0" algn="ctr" defTabSz="914400" rtl="0" eaLnBrk="1" latinLnBrk="0" hangingPunct="1">
+              <a:lnSpc>
+                <a:spcPct val="90000"/>
+              </a:lnSpc>
+              <a:spcBef>
+                <a:spcPts val="500"/>
+              </a:spcBef>
+              <a:buFont typeface="Arial"/>
+              <a:buNone/>
+              <a:defRPr kumimoji="1" sz="1600" kern="1200">
+                <a:solidFill>
+                  <a:schemeClr val="tx1"/>
+                </a:solidFill>
+                <a:latin typeface="+mn-lt"/>
+                <a:ea typeface="+mn-ea"/>
+                <a:cs typeface="+mn-cs"/>
+              </a:defRPr>
+            </a:lvl7pPr>
+            <a:lvl8pPr marL="3200400" indent="0" algn="ctr" defTabSz="914400" rtl="0" eaLnBrk="1" latinLnBrk="0" hangingPunct="1">
+              <a:lnSpc>
+                <a:spcPct val="90000"/>
+              </a:lnSpc>
+              <a:spcBef>
+                <a:spcPts val="500"/>
+              </a:spcBef>
+              <a:buFont typeface="Arial"/>
+              <a:buNone/>
+              <a:defRPr kumimoji="1" sz="1600" kern="1200">
+                <a:solidFill>
+                  <a:schemeClr val="tx1"/>
+                </a:solidFill>
+                <a:latin typeface="+mn-lt"/>
+                <a:ea typeface="+mn-ea"/>
+                <a:cs typeface="+mn-cs"/>
+              </a:defRPr>
+            </a:lvl8pPr>
+            <a:lvl9pPr marL="3657600" indent="0" algn="ctr" defTabSz="914400" rtl="0" eaLnBrk="1" latinLnBrk="0" hangingPunct="1">
+              <a:lnSpc>
+                <a:spcPct val="90000"/>
+              </a:lnSpc>
+              <a:spcBef>
+                <a:spcPts val="500"/>
+              </a:spcBef>
+              <a:buFont typeface="Arial"/>
+              <a:buNone/>
+              <a:defRPr kumimoji="1" sz="1600" kern="1200">
+                <a:solidFill>
+                  <a:schemeClr val="tx1"/>
+                </a:solidFill>
+                <a:latin typeface="+mn-lt"/>
+                <a:ea typeface="+mn-ea"/>
+                <a:cs typeface="+mn-cs"/>
+              </a:defRPr>
+            </a:lvl9pPr>
+          </a:lstStyle>
+          <a:p>
+            <a:r>
+              <a:rPr lang="ja-JP" altLang="en-US" sz="8000" dirty="0" smtClean="0">
+                <a:solidFill>
+                  <a:schemeClr val="bg1"/>
+                </a:solidFill>
+                <a:latin typeface="HGSoeiKakugothicUB" charset="-128"/>
+                <a:ea typeface="HGSoeiKakugothicUB" charset="-128"/>
+                <a:cs typeface="HGSoeiKakugothicUB" charset="-128"/>
+              </a:rPr>
+              <a:t>せんをかくす</a:t>
+            </a:r>
+            <a:endParaRPr lang="ja-JP" altLang="en-US" sz="8000" dirty="0">
+              <a:solidFill>
+                <a:schemeClr val="bg1"/>
+              </a:solidFill>
+              <a:latin typeface="HGSoeiKakugothicUB" charset="-128"/>
+              <a:ea typeface="HGSoeiKakugothicUB" charset="-128"/>
+              <a:cs typeface="HGSoeiKakugothicUB" charset="-128"/>
+            </a:endParaRPr>
+          </a:p>
+        </p:txBody>
+      </p:sp>
+    </p:spTree>
+    <p:extLst>
+      <p:ext uri="{BB962C8B-B14F-4D97-AF65-F5344CB8AC3E}">
+        <p14:creationId xmlns:p14="http://schemas.microsoft.com/office/powerpoint/2010/main" val="1759976191"/>
       </p:ext>
     </p:extLst>
   </p:cSld>

--- a/UI作成.pptx
+++ b/UI作成.pptx
@@ -5,13 +5,14 @@
     <p:sldMasterId id="2147483648" r:id="rId1"/>
   </p:sldMasterIdLst>
   <p:notesMasterIdLst>
-    <p:notesMasterId r:id="rId6"/>
+    <p:notesMasterId r:id="rId7"/>
   </p:notesMasterIdLst>
   <p:sldIdLst>
     <p:sldId id="256" r:id="rId2"/>
     <p:sldId id="258" r:id="rId3"/>
     <p:sldId id="257" r:id="rId4"/>
     <p:sldId id="259" r:id="rId5"/>
+    <p:sldId id="260" r:id="rId6"/>
   </p:sldIdLst>
   <p:sldSz cx="12192000" cy="6858000"/>
   <p:notesSz cx="6858000" cy="9144000"/>
@@ -200,7 +201,7 @@
           <a:p>
             <a:fld id="{B5B10417-DEBC-2C41-BC00-328E5B6BE684}" type="datetimeFigureOut">
               <a:rPr kumimoji="1" lang="ja-JP" altLang="en-US" smtClean="0"/>
-              <a:t>2017/12/13</a:t>
+              <a:t>2017/12/15</a:t>
             </a:fld>
             <a:endParaRPr kumimoji="1" lang="ja-JP" altLang="en-US"/>
           </a:p>
@@ -799,7 +800,7 @@
           <a:p>
             <a:fld id="{30882571-8EA2-F849-BE67-D22AADE9CB28}" type="datetimeFigureOut">
               <a:rPr kumimoji="1" lang="ja-JP" altLang="en-US" smtClean="0"/>
-              <a:t>2017/12/13</a:t>
+              <a:t>2017/12/15</a:t>
             </a:fld>
             <a:endParaRPr kumimoji="1" lang="ja-JP" altLang="en-US"/>
           </a:p>
@@ -1001,7 +1002,7 @@
           <a:p>
             <a:fld id="{30882571-8EA2-F849-BE67-D22AADE9CB28}" type="datetimeFigureOut">
               <a:rPr kumimoji="1" lang="ja-JP" altLang="en-US" smtClean="0"/>
-              <a:t>2017/12/13</a:t>
+              <a:t>2017/12/15</a:t>
             </a:fld>
             <a:endParaRPr kumimoji="1" lang="ja-JP" altLang="en-US"/>
           </a:p>
@@ -1213,7 +1214,7 @@
           <a:p>
             <a:fld id="{30882571-8EA2-F849-BE67-D22AADE9CB28}" type="datetimeFigureOut">
               <a:rPr kumimoji="1" lang="ja-JP" altLang="en-US" smtClean="0"/>
-              <a:t>2017/12/13</a:t>
+              <a:t>2017/12/15</a:t>
             </a:fld>
             <a:endParaRPr kumimoji="1" lang="ja-JP" altLang="en-US"/>
           </a:p>
@@ -1415,7 +1416,7 @@
           <a:p>
             <a:fld id="{30882571-8EA2-F849-BE67-D22AADE9CB28}" type="datetimeFigureOut">
               <a:rPr kumimoji="1" lang="ja-JP" altLang="en-US" smtClean="0"/>
-              <a:t>2017/12/13</a:t>
+              <a:t>2017/12/15</a:t>
             </a:fld>
             <a:endParaRPr kumimoji="1" lang="ja-JP" altLang="en-US"/>
           </a:p>
@@ -1661,7 +1662,7 @@
           <a:p>
             <a:fld id="{30882571-8EA2-F849-BE67-D22AADE9CB28}" type="datetimeFigureOut">
               <a:rPr kumimoji="1" lang="ja-JP" altLang="en-US" smtClean="0"/>
-              <a:t>2017/12/13</a:t>
+              <a:t>2017/12/15</a:t>
             </a:fld>
             <a:endParaRPr kumimoji="1" lang="ja-JP" altLang="en-US"/>
           </a:p>
@@ -1957,7 +1958,7 @@
           <a:p>
             <a:fld id="{30882571-8EA2-F849-BE67-D22AADE9CB28}" type="datetimeFigureOut">
               <a:rPr kumimoji="1" lang="ja-JP" altLang="en-US" smtClean="0"/>
-              <a:t>2017/12/13</a:t>
+              <a:t>2017/12/15</a:t>
             </a:fld>
             <a:endParaRPr kumimoji="1" lang="ja-JP" altLang="en-US"/>
           </a:p>
@@ -2388,7 +2389,7 @@
           <a:p>
             <a:fld id="{30882571-8EA2-F849-BE67-D22AADE9CB28}" type="datetimeFigureOut">
               <a:rPr kumimoji="1" lang="ja-JP" altLang="en-US" smtClean="0"/>
-              <a:t>2017/12/13</a:t>
+              <a:t>2017/12/15</a:t>
             </a:fld>
             <a:endParaRPr kumimoji="1" lang="ja-JP" altLang="en-US"/>
           </a:p>
@@ -2506,7 +2507,7 @@
           <a:p>
             <a:fld id="{30882571-8EA2-F849-BE67-D22AADE9CB28}" type="datetimeFigureOut">
               <a:rPr kumimoji="1" lang="ja-JP" altLang="en-US" smtClean="0"/>
-              <a:t>2017/12/13</a:t>
+              <a:t>2017/12/15</a:t>
             </a:fld>
             <a:endParaRPr kumimoji="1" lang="ja-JP" altLang="en-US"/>
           </a:p>
@@ -2601,7 +2602,7 @@
           <a:p>
             <a:fld id="{30882571-8EA2-F849-BE67-D22AADE9CB28}" type="datetimeFigureOut">
               <a:rPr kumimoji="1" lang="ja-JP" altLang="en-US" smtClean="0"/>
-              <a:t>2017/12/13</a:t>
+              <a:t>2017/12/15</a:t>
             </a:fld>
             <a:endParaRPr kumimoji="1" lang="ja-JP" altLang="en-US"/>
           </a:p>
@@ -2910,7 +2911,7 @@
           <a:p>
             <a:fld id="{30882571-8EA2-F849-BE67-D22AADE9CB28}" type="datetimeFigureOut">
               <a:rPr kumimoji="1" lang="ja-JP" altLang="en-US" smtClean="0"/>
-              <a:t>2017/12/13</a:t>
+              <a:t>2017/12/15</a:t>
             </a:fld>
             <a:endParaRPr kumimoji="1" lang="ja-JP" altLang="en-US"/>
           </a:p>
@@ -3163,7 +3164,7 @@
           <a:p>
             <a:fld id="{30882571-8EA2-F849-BE67-D22AADE9CB28}" type="datetimeFigureOut">
               <a:rPr kumimoji="1" lang="ja-JP" altLang="en-US" smtClean="0"/>
-              <a:t>2017/12/13</a:t>
+              <a:t>2017/12/15</a:t>
             </a:fld>
             <a:endParaRPr kumimoji="1" lang="ja-JP" altLang="en-US"/>
           </a:p>
@@ -3408,7 +3409,7 @@
           <a:p>
             <a:fld id="{30882571-8EA2-F849-BE67-D22AADE9CB28}" type="datetimeFigureOut">
               <a:rPr kumimoji="1" lang="ja-JP" altLang="en-US" smtClean="0"/>
-              <a:t>2017/12/13</a:t>
+              <a:t>2017/12/15</a:t>
             </a:fld>
             <a:endParaRPr kumimoji="1" lang="ja-JP" altLang="en-US"/>
           </a:p>
@@ -7327,6 +7328,348 @@
     <p:extLst>
       <p:ext uri="{BB962C8B-B14F-4D97-AF65-F5344CB8AC3E}">
         <p14:creationId xmlns:p14="http://schemas.microsoft.com/office/powerpoint/2010/main" val="1759976191"/>
+      </p:ext>
+    </p:extLst>
+  </p:cSld>
+  <p:clrMapOvr>
+    <a:masterClrMapping/>
+  </p:clrMapOvr>
+  <p:timing>
+    <p:tnLst>
+      <p:par>
+        <p:cTn id="1" dur="indefinite" restart="never" nodeType="tmRoot"/>
+      </p:par>
+    </p:tnLst>
+  </p:timing>
+</p:sld>
+</file>
+
+<file path=ppt/slides/slide5.xml><?xml version="1.0" encoding="utf-8"?>
+<p:sld xmlns:a="http://schemas.openxmlformats.org/drawingml/2006/main" xmlns:r="http://schemas.openxmlformats.org/officeDocument/2006/relationships" xmlns:p="http://schemas.openxmlformats.org/presentationml/2006/main">
+  <p:cSld>
+    <p:spTree>
+      <p:nvGrpSpPr>
+        <p:cNvPr id="1" name=""/>
+        <p:cNvGrpSpPr/>
+        <p:nvPr/>
+      </p:nvGrpSpPr>
+      <p:grpSpPr>
+        <a:xfrm>
+          <a:off x="0" y="0"/>
+          <a:ext cx="0" cy="0"/>
+          <a:chOff x="0" y="0"/>
+          <a:chExt cx="0" cy="0"/>
+        </a:xfrm>
+      </p:grpSpPr>
+      <p:sp>
+        <p:nvSpPr>
+          <p:cNvPr id="4" name="角丸四角形 3"/>
+          <p:cNvSpPr/>
+          <p:nvPr/>
+        </p:nvSpPr>
+        <p:spPr>
+          <a:xfrm>
+            <a:off x="353400" y="2024127"/>
+            <a:ext cx="11367826" cy="2973388"/>
+          </a:xfrm>
+          <a:prstGeom prst="roundRect">
+            <a:avLst/>
+          </a:prstGeom>
+        </p:spPr>
+        <p:style>
+          <a:lnRef idx="0">
+            <a:schemeClr val="accent4"/>
+          </a:lnRef>
+          <a:fillRef idx="3">
+            <a:schemeClr val="accent4"/>
+          </a:fillRef>
+          <a:effectRef idx="3">
+            <a:schemeClr val="accent4"/>
+          </a:effectRef>
+          <a:fontRef idx="minor">
+            <a:schemeClr val="lt1"/>
+          </a:fontRef>
+        </p:style>
+        <p:txBody>
+          <a:bodyPr rtlCol="0" anchor="ctr"/>
+          <a:lstStyle/>
+          <a:p>
+            <a:pPr algn="ctr"/>
+            <a:endParaRPr kumimoji="1" lang="ja-JP" altLang="en-US"/>
+          </a:p>
+        </p:txBody>
+      </p:sp>
+      <p:sp>
+        <p:nvSpPr>
+          <p:cNvPr id="5" name="角丸四角形 4"/>
+          <p:cNvSpPr/>
+          <p:nvPr/>
+        </p:nvSpPr>
+        <p:spPr>
+          <a:xfrm>
+            <a:off x="1124926" y="2238063"/>
+            <a:ext cx="9950071" cy="2545516"/>
+          </a:xfrm>
+          <a:prstGeom prst="roundRect">
+            <a:avLst/>
+          </a:prstGeom>
+          <a:gradFill>
+            <a:gsLst>
+              <a:gs pos="100000">
+                <a:srgbClr val="00B0F0"/>
+              </a:gs>
+              <a:gs pos="100000">
+                <a:schemeClr val="accent5">
+                  <a:lumMod val="105000"/>
+                  <a:satMod val="103000"/>
+                  <a:tint val="73000"/>
+                </a:schemeClr>
+              </a:gs>
+              <a:gs pos="100000">
+                <a:schemeClr val="accent5">
+                  <a:lumMod val="105000"/>
+                  <a:satMod val="109000"/>
+                  <a:tint val="81000"/>
+                </a:schemeClr>
+              </a:gs>
+            </a:gsLst>
+          </a:gradFill>
+        </p:spPr>
+        <p:style>
+          <a:lnRef idx="1">
+            <a:schemeClr val="accent5"/>
+          </a:lnRef>
+          <a:fillRef idx="2">
+            <a:schemeClr val="accent5"/>
+          </a:fillRef>
+          <a:effectRef idx="1">
+            <a:schemeClr val="accent5"/>
+          </a:effectRef>
+          <a:fontRef idx="minor">
+            <a:schemeClr val="dk1"/>
+          </a:fontRef>
+        </p:style>
+        <p:txBody>
+          <a:bodyPr rtlCol="0" anchor="ctr"/>
+          <a:lstStyle/>
+          <a:p>
+            <a:pPr algn="ctr"/>
+            <a:endParaRPr kumimoji="1" lang="ja-JP" altLang="en-US" dirty="0"/>
+          </a:p>
+        </p:txBody>
+      </p:sp>
+      <p:sp>
+        <p:nvSpPr>
+          <p:cNvPr id="6" name="サブタイトル 2"/>
+          <p:cNvSpPr txBox="1">
+            <a:spLocks/>
+          </p:cNvSpPr>
+          <p:nvPr/>
+        </p:nvSpPr>
+        <p:spPr>
+          <a:xfrm>
+            <a:off x="428019" y="2916551"/>
+            <a:ext cx="11273444" cy="706690"/>
+          </a:xfrm>
+          <a:prstGeom prst="rect">
+            <a:avLst/>
+          </a:prstGeom>
+        </p:spPr>
+        <p:txBody>
+          <a:bodyPr vert="horz" lIns="91440" tIns="45720" rIns="91440" bIns="45720" rtlCol="0">
+            <a:noAutofit/>
+          </a:bodyPr>
+          <a:lstStyle>
+            <a:lvl1pPr marL="0" indent="0" algn="ctr" defTabSz="914400" rtl="0" eaLnBrk="1" latinLnBrk="0" hangingPunct="1">
+              <a:lnSpc>
+                <a:spcPct val="90000"/>
+              </a:lnSpc>
+              <a:spcBef>
+                <a:spcPts val="1000"/>
+              </a:spcBef>
+              <a:buFont typeface="Arial"/>
+              <a:buNone/>
+              <a:defRPr kumimoji="1" sz="2400" kern="1200">
+                <a:solidFill>
+                  <a:schemeClr val="tx1"/>
+                </a:solidFill>
+                <a:latin typeface="+mn-lt"/>
+                <a:ea typeface="+mn-ea"/>
+                <a:cs typeface="+mn-cs"/>
+              </a:defRPr>
+            </a:lvl1pPr>
+            <a:lvl2pPr marL="457200" indent="0" algn="ctr" defTabSz="914400" rtl="0" eaLnBrk="1" latinLnBrk="0" hangingPunct="1">
+              <a:lnSpc>
+                <a:spcPct val="90000"/>
+              </a:lnSpc>
+              <a:spcBef>
+                <a:spcPts val="500"/>
+              </a:spcBef>
+              <a:buFont typeface="Arial"/>
+              <a:buNone/>
+              <a:defRPr kumimoji="1" sz="2000" kern="1200">
+                <a:solidFill>
+                  <a:schemeClr val="tx1"/>
+                </a:solidFill>
+                <a:latin typeface="+mn-lt"/>
+                <a:ea typeface="+mn-ea"/>
+                <a:cs typeface="+mn-cs"/>
+              </a:defRPr>
+            </a:lvl2pPr>
+            <a:lvl3pPr marL="914400" indent="0" algn="ctr" defTabSz="914400" rtl="0" eaLnBrk="1" latinLnBrk="0" hangingPunct="1">
+              <a:lnSpc>
+                <a:spcPct val="90000"/>
+              </a:lnSpc>
+              <a:spcBef>
+                <a:spcPts val="500"/>
+              </a:spcBef>
+              <a:buFont typeface="Arial"/>
+              <a:buNone/>
+              <a:defRPr kumimoji="1" sz="1800" kern="1200">
+                <a:solidFill>
+                  <a:schemeClr val="tx1"/>
+                </a:solidFill>
+                <a:latin typeface="+mn-lt"/>
+                <a:ea typeface="+mn-ea"/>
+                <a:cs typeface="+mn-cs"/>
+              </a:defRPr>
+            </a:lvl3pPr>
+            <a:lvl4pPr marL="1371600" indent="0" algn="ctr" defTabSz="914400" rtl="0" eaLnBrk="1" latinLnBrk="0" hangingPunct="1">
+              <a:lnSpc>
+                <a:spcPct val="90000"/>
+              </a:lnSpc>
+              <a:spcBef>
+                <a:spcPts val="500"/>
+              </a:spcBef>
+              <a:buFont typeface="Arial"/>
+              <a:buNone/>
+              <a:defRPr kumimoji="1" sz="1600" kern="1200">
+                <a:solidFill>
+                  <a:schemeClr val="tx1"/>
+                </a:solidFill>
+                <a:latin typeface="+mn-lt"/>
+                <a:ea typeface="+mn-ea"/>
+                <a:cs typeface="+mn-cs"/>
+              </a:defRPr>
+            </a:lvl4pPr>
+            <a:lvl5pPr marL="1828800" indent="0" algn="ctr" defTabSz="914400" rtl="0" eaLnBrk="1" latinLnBrk="0" hangingPunct="1">
+              <a:lnSpc>
+                <a:spcPct val="90000"/>
+              </a:lnSpc>
+              <a:spcBef>
+                <a:spcPts val="500"/>
+              </a:spcBef>
+              <a:buFont typeface="Arial"/>
+              <a:buNone/>
+              <a:defRPr kumimoji="1" sz="1600" kern="1200">
+                <a:solidFill>
+                  <a:schemeClr val="tx1"/>
+                </a:solidFill>
+                <a:latin typeface="+mn-lt"/>
+                <a:ea typeface="+mn-ea"/>
+                <a:cs typeface="+mn-cs"/>
+              </a:defRPr>
+            </a:lvl5pPr>
+            <a:lvl6pPr marL="2286000" indent="0" algn="ctr" defTabSz="914400" rtl="0" eaLnBrk="1" latinLnBrk="0" hangingPunct="1">
+              <a:lnSpc>
+                <a:spcPct val="90000"/>
+              </a:lnSpc>
+              <a:spcBef>
+                <a:spcPts val="500"/>
+              </a:spcBef>
+              <a:buFont typeface="Arial"/>
+              <a:buNone/>
+              <a:defRPr kumimoji="1" sz="1600" kern="1200">
+                <a:solidFill>
+                  <a:schemeClr val="tx1"/>
+                </a:solidFill>
+                <a:latin typeface="+mn-lt"/>
+                <a:ea typeface="+mn-ea"/>
+                <a:cs typeface="+mn-cs"/>
+              </a:defRPr>
+            </a:lvl6pPr>
+            <a:lvl7pPr marL="2743200" indent="0" algn="ctr" defTabSz="914400" rtl="0" eaLnBrk="1" latinLnBrk="0" hangingPunct="1">
+              <a:lnSpc>
+                <a:spcPct val="90000"/>
+              </a:lnSpc>
+              <a:spcBef>
+                <a:spcPts val="500"/>
+              </a:spcBef>
+              <a:buFont typeface="Arial"/>
+              <a:buNone/>
+              <a:defRPr kumimoji="1" sz="1600" kern="1200">
+                <a:solidFill>
+                  <a:schemeClr val="tx1"/>
+                </a:solidFill>
+                <a:latin typeface="+mn-lt"/>
+                <a:ea typeface="+mn-ea"/>
+                <a:cs typeface="+mn-cs"/>
+              </a:defRPr>
+            </a:lvl7pPr>
+            <a:lvl8pPr marL="3200400" indent="0" algn="ctr" defTabSz="914400" rtl="0" eaLnBrk="1" latinLnBrk="0" hangingPunct="1">
+              <a:lnSpc>
+                <a:spcPct val="90000"/>
+              </a:lnSpc>
+              <a:spcBef>
+                <a:spcPts val="500"/>
+              </a:spcBef>
+              <a:buFont typeface="Arial"/>
+              <a:buNone/>
+              <a:defRPr kumimoji="1" sz="1600" kern="1200">
+                <a:solidFill>
+                  <a:schemeClr val="tx1"/>
+                </a:solidFill>
+                <a:latin typeface="+mn-lt"/>
+                <a:ea typeface="+mn-ea"/>
+                <a:cs typeface="+mn-cs"/>
+              </a:defRPr>
+            </a:lvl8pPr>
+            <a:lvl9pPr marL="3657600" indent="0" algn="ctr" defTabSz="914400" rtl="0" eaLnBrk="1" latinLnBrk="0" hangingPunct="1">
+              <a:lnSpc>
+                <a:spcPct val="90000"/>
+              </a:lnSpc>
+              <a:spcBef>
+                <a:spcPts val="500"/>
+              </a:spcBef>
+              <a:buFont typeface="Arial"/>
+              <a:buNone/>
+              <a:defRPr kumimoji="1" sz="1600" kern="1200">
+                <a:solidFill>
+                  <a:schemeClr val="tx1"/>
+                </a:solidFill>
+                <a:latin typeface="+mn-lt"/>
+                <a:ea typeface="+mn-ea"/>
+                <a:cs typeface="+mn-cs"/>
+              </a:defRPr>
+            </a:lvl9pPr>
+          </a:lstStyle>
+          <a:p>
+            <a:r>
+              <a:rPr lang="ja-JP" altLang="en-US" sz="8000" smtClean="0">
+                <a:solidFill>
+                  <a:schemeClr val="bg1"/>
+                </a:solidFill>
+                <a:latin typeface="HGSoeiKakugothicUB" charset="-128"/>
+                <a:ea typeface="HGSoeiKakugothicUB" charset="-128"/>
+                <a:cs typeface="HGSoeiKakugothicUB" charset="-128"/>
+              </a:rPr>
+              <a:t>もどる</a:t>
+            </a:r>
+            <a:endParaRPr lang="ja-JP" altLang="en-US" sz="8000" dirty="0">
+              <a:solidFill>
+                <a:schemeClr val="bg1"/>
+              </a:solidFill>
+              <a:latin typeface="HGSoeiKakugothicUB" charset="-128"/>
+              <a:ea typeface="HGSoeiKakugothicUB" charset="-128"/>
+              <a:cs typeface="HGSoeiKakugothicUB" charset="-128"/>
+            </a:endParaRPr>
+          </a:p>
+        </p:txBody>
+      </p:sp>
+    </p:spTree>
+    <p:extLst>
+      <p:ext uri="{BB962C8B-B14F-4D97-AF65-F5344CB8AC3E}">
+        <p14:creationId xmlns:p14="http://schemas.microsoft.com/office/powerpoint/2010/main" val="106416944"/>
       </p:ext>
     </p:extLst>
   </p:cSld>

--- a/UI作成.pptx
+++ b/UI作成.pptx
@@ -201,7 +201,7 @@
           <a:p>
             <a:fld id="{B5B10417-DEBC-2C41-BC00-328E5B6BE684}" type="datetimeFigureOut">
               <a:rPr kumimoji="1" lang="ja-JP" altLang="en-US" smtClean="0"/>
-              <a:t>2017/12/15</a:t>
+              <a:t>2017/12/20</a:t>
             </a:fld>
             <a:endParaRPr kumimoji="1" lang="ja-JP" altLang="en-US"/>
           </a:p>
@@ -800,7 +800,7 @@
           <a:p>
             <a:fld id="{30882571-8EA2-F849-BE67-D22AADE9CB28}" type="datetimeFigureOut">
               <a:rPr kumimoji="1" lang="ja-JP" altLang="en-US" smtClean="0"/>
-              <a:t>2017/12/15</a:t>
+              <a:t>2017/12/20</a:t>
             </a:fld>
             <a:endParaRPr kumimoji="1" lang="ja-JP" altLang="en-US"/>
           </a:p>
@@ -1002,7 +1002,7 @@
           <a:p>
             <a:fld id="{30882571-8EA2-F849-BE67-D22AADE9CB28}" type="datetimeFigureOut">
               <a:rPr kumimoji="1" lang="ja-JP" altLang="en-US" smtClean="0"/>
-              <a:t>2017/12/15</a:t>
+              <a:t>2017/12/20</a:t>
             </a:fld>
             <a:endParaRPr kumimoji="1" lang="ja-JP" altLang="en-US"/>
           </a:p>
@@ -1214,7 +1214,7 @@
           <a:p>
             <a:fld id="{30882571-8EA2-F849-BE67-D22AADE9CB28}" type="datetimeFigureOut">
               <a:rPr kumimoji="1" lang="ja-JP" altLang="en-US" smtClean="0"/>
-              <a:t>2017/12/15</a:t>
+              <a:t>2017/12/20</a:t>
             </a:fld>
             <a:endParaRPr kumimoji="1" lang="ja-JP" altLang="en-US"/>
           </a:p>
@@ -1416,7 +1416,7 @@
           <a:p>
             <a:fld id="{30882571-8EA2-F849-BE67-D22AADE9CB28}" type="datetimeFigureOut">
               <a:rPr kumimoji="1" lang="ja-JP" altLang="en-US" smtClean="0"/>
-              <a:t>2017/12/15</a:t>
+              <a:t>2017/12/20</a:t>
             </a:fld>
             <a:endParaRPr kumimoji="1" lang="ja-JP" altLang="en-US"/>
           </a:p>
@@ -1662,7 +1662,7 @@
           <a:p>
             <a:fld id="{30882571-8EA2-F849-BE67-D22AADE9CB28}" type="datetimeFigureOut">
               <a:rPr kumimoji="1" lang="ja-JP" altLang="en-US" smtClean="0"/>
-              <a:t>2017/12/15</a:t>
+              <a:t>2017/12/20</a:t>
             </a:fld>
             <a:endParaRPr kumimoji="1" lang="ja-JP" altLang="en-US"/>
           </a:p>
@@ -1958,7 +1958,7 @@
           <a:p>
             <a:fld id="{30882571-8EA2-F849-BE67-D22AADE9CB28}" type="datetimeFigureOut">
               <a:rPr kumimoji="1" lang="ja-JP" altLang="en-US" smtClean="0"/>
-              <a:t>2017/12/15</a:t>
+              <a:t>2017/12/20</a:t>
             </a:fld>
             <a:endParaRPr kumimoji="1" lang="ja-JP" altLang="en-US"/>
           </a:p>
@@ -2389,7 +2389,7 @@
           <a:p>
             <a:fld id="{30882571-8EA2-F849-BE67-D22AADE9CB28}" type="datetimeFigureOut">
               <a:rPr kumimoji="1" lang="ja-JP" altLang="en-US" smtClean="0"/>
-              <a:t>2017/12/15</a:t>
+              <a:t>2017/12/20</a:t>
             </a:fld>
             <a:endParaRPr kumimoji="1" lang="ja-JP" altLang="en-US"/>
           </a:p>
@@ -2507,7 +2507,7 @@
           <a:p>
             <a:fld id="{30882571-8EA2-F849-BE67-D22AADE9CB28}" type="datetimeFigureOut">
               <a:rPr kumimoji="1" lang="ja-JP" altLang="en-US" smtClean="0"/>
-              <a:t>2017/12/15</a:t>
+              <a:t>2017/12/20</a:t>
             </a:fld>
             <a:endParaRPr kumimoji="1" lang="ja-JP" altLang="en-US"/>
           </a:p>
@@ -2602,7 +2602,7 @@
           <a:p>
             <a:fld id="{30882571-8EA2-F849-BE67-D22AADE9CB28}" type="datetimeFigureOut">
               <a:rPr kumimoji="1" lang="ja-JP" altLang="en-US" smtClean="0"/>
-              <a:t>2017/12/15</a:t>
+              <a:t>2017/12/20</a:t>
             </a:fld>
             <a:endParaRPr kumimoji="1" lang="ja-JP" altLang="en-US"/>
           </a:p>
@@ -2911,7 +2911,7 @@
           <a:p>
             <a:fld id="{30882571-8EA2-F849-BE67-D22AADE9CB28}" type="datetimeFigureOut">
               <a:rPr kumimoji="1" lang="ja-JP" altLang="en-US" smtClean="0"/>
-              <a:t>2017/12/15</a:t>
+              <a:t>2017/12/20</a:t>
             </a:fld>
             <a:endParaRPr kumimoji="1" lang="ja-JP" altLang="en-US"/>
           </a:p>
@@ -3164,7 +3164,7 @@
           <a:p>
             <a:fld id="{30882571-8EA2-F849-BE67-D22AADE9CB28}" type="datetimeFigureOut">
               <a:rPr kumimoji="1" lang="ja-JP" altLang="en-US" smtClean="0"/>
-              <a:t>2017/12/15</a:t>
+              <a:t>2017/12/20</a:t>
             </a:fld>
             <a:endParaRPr kumimoji="1" lang="ja-JP" altLang="en-US"/>
           </a:p>
@@ -3409,7 +3409,7 @@
           <a:p>
             <a:fld id="{30882571-8EA2-F849-BE67-D22AADE9CB28}" type="datetimeFigureOut">
               <a:rPr kumimoji="1" lang="ja-JP" altLang="en-US" smtClean="0"/>
-              <a:t>2017/12/15</a:t>
+              <a:t>2017/12/20</a:t>
             </a:fld>
             <a:endParaRPr kumimoji="1" lang="ja-JP" altLang="en-US"/>
           </a:p>
